--- a/Presentation-Data Incubator.pptx
+++ b/Presentation-Data Incubator.pptx
@@ -107,6 +107,11 @@
       </a:defRPr>
     </a:lvl9pPr>
   </p:defaultTextStyle>
+  <p:extLst>
+    <p:ext uri="{EFAFB233-063F-42B5-8137-9DF3F51BA10A}">
+      <p15:sldGuideLst xmlns:p15="http://schemas.microsoft.com/office/powerpoint/2012/main"/>
+    </p:ext>
+  </p:extLst>
 </p:presentation>
 </file>
 
@@ -257,7 +262,7 @@
           <a:p>
             <a:fld id="{D9051DAD-1FC1-FF48-AFCB-F936C690FD8E}" type="datetimeFigureOut">
               <a:rPr lang="en-US" smtClean="0"/>
-              <a:t>1/31/22</a:t>
+              <a:t>2/1/22</a:t>
             </a:fld>
             <a:endParaRPr lang="en-US"/>
           </a:p>
@@ -455,7 +460,7 @@
           <a:p>
             <a:fld id="{D9051DAD-1FC1-FF48-AFCB-F936C690FD8E}" type="datetimeFigureOut">
               <a:rPr lang="en-US" smtClean="0"/>
-              <a:t>1/31/22</a:t>
+              <a:t>2/1/22</a:t>
             </a:fld>
             <a:endParaRPr lang="en-US"/>
           </a:p>
@@ -663,7 +668,7 @@
           <a:p>
             <a:fld id="{D9051DAD-1FC1-FF48-AFCB-F936C690FD8E}" type="datetimeFigureOut">
               <a:rPr lang="en-US" smtClean="0"/>
-              <a:t>1/31/22</a:t>
+              <a:t>2/1/22</a:t>
             </a:fld>
             <a:endParaRPr lang="en-US"/>
           </a:p>
@@ -861,7 +866,7 @@
           <a:p>
             <a:fld id="{D9051DAD-1FC1-FF48-AFCB-F936C690FD8E}" type="datetimeFigureOut">
               <a:rPr lang="en-US" smtClean="0"/>
-              <a:t>1/31/22</a:t>
+              <a:t>2/1/22</a:t>
             </a:fld>
             <a:endParaRPr lang="en-US"/>
           </a:p>
@@ -1136,7 +1141,7 @@
           <a:p>
             <a:fld id="{D9051DAD-1FC1-FF48-AFCB-F936C690FD8E}" type="datetimeFigureOut">
               <a:rPr lang="en-US" smtClean="0"/>
-              <a:t>1/31/22</a:t>
+              <a:t>2/1/22</a:t>
             </a:fld>
             <a:endParaRPr lang="en-US"/>
           </a:p>
@@ -1401,7 +1406,7 @@
           <a:p>
             <a:fld id="{D9051DAD-1FC1-FF48-AFCB-F936C690FD8E}" type="datetimeFigureOut">
               <a:rPr lang="en-US" smtClean="0"/>
-              <a:t>1/31/22</a:t>
+              <a:t>2/1/22</a:t>
             </a:fld>
             <a:endParaRPr lang="en-US"/>
           </a:p>
@@ -1813,7 +1818,7 @@
           <a:p>
             <a:fld id="{D9051DAD-1FC1-FF48-AFCB-F936C690FD8E}" type="datetimeFigureOut">
               <a:rPr lang="en-US" smtClean="0"/>
-              <a:t>1/31/22</a:t>
+              <a:t>2/1/22</a:t>
             </a:fld>
             <a:endParaRPr lang="en-US"/>
           </a:p>
@@ -1954,7 +1959,7 @@
           <a:p>
             <a:fld id="{D9051DAD-1FC1-FF48-AFCB-F936C690FD8E}" type="datetimeFigureOut">
               <a:rPr lang="en-US" smtClean="0"/>
-              <a:t>1/31/22</a:t>
+              <a:t>2/1/22</a:t>
             </a:fld>
             <a:endParaRPr lang="en-US"/>
           </a:p>
@@ -2067,7 +2072,7 @@
           <a:p>
             <a:fld id="{D9051DAD-1FC1-FF48-AFCB-F936C690FD8E}" type="datetimeFigureOut">
               <a:rPr lang="en-US" smtClean="0"/>
-              <a:t>1/31/22</a:t>
+              <a:t>2/1/22</a:t>
             </a:fld>
             <a:endParaRPr lang="en-US"/>
           </a:p>
@@ -2378,7 +2383,7 @@
           <a:p>
             <a:fld id="{D9051DAD-1FC1-FF48-AFCB-F936C690FD8E}" type="datetimeFigureOut">
               <a:rPr lang="en-US" smtClean="0"/>
-              <a:t>1/31/22</a:t>
+              <a:t>2/1/22</a:t>
             </a:fld>
             <a:endParaRPr lang="en-US"/>
           </a:p>
@@ -2666,7 +2671,7 @@
           <a:p>
             <a:fld id="{D9051DAD-1FC1-FF48-AFCB-F936C690FD8E}" type="datetimeFigureOut">
               <a:rPr lang="en-US" smtClean="0"/>
-              <a:t>1/31/22</a:t>
+              <a:t>2/1/22</a:t>
             </a:fld>
             <a:endParaRPr lang="en-US"/>
           </a:p>
@@ -2907,7 +2912,7 @@
           <a:p>
             <a:fld id="{D9051DAD-1FC1-FF48-AFCB-F936C690FD8E}" type="datetimeFigureOut">
               <a:rPr lang="en-US" smtClean="0"/>
-              <a:t>1/31/22</a:t>
+              <a:t>2/1/22</a:t>
             </a:fld>
             <a:endParaRPr lang="en-US"/>
           </a:p>
@@ -3914,8 +3919,8 @@
         </p:nvSpPr>
         <p:spPr>
           <a:xfrm>
-            <a:off x="6096000" y="4505170"/>
-            <a:ext cx="6264032" cy="2024404"/>
+            <a:off x="6023429" y="4984131"/>
+            <a:ext cx="6488455" cy="2024404"/>
           </a:xfrm>
         </p:spPr>
         <p:txBody>
@@ -3924,8 +3929,13 @@
           </a:bodyPr>
           <a:lstStyle/>
           <a:p>
-            <a:r>
-              <a:rPr lang="en-CA" sz="3200" b="1" dirty="0">
+            <a:pPr>
+              <a:lnSpc>
+                <a:spcPct val="100000"/>
+              </a:lnSpc>
+            </a:pPr>
+            <a:r>
+              <a:rPr lang="en-CA" sz="2850" b="1" dirty="0">
                 <a:solidFill>
                   <a:srgbClr val="FFFFFF"/>
                 </a:solidFill>
@@ -3933,36 +3943,36 @@
               <a:t>Investigating the Effect of</a:t>
             </a:r>
             <a:br>
-              <a:rPr lang="en-CA" sz="3200" b="1" dirty="0">
+              <a:rPr lang="en-CA" sz="2850" b="1" dirty="0">
                 <a:solidFill>
                   <a:srgbClr val="FFFFFF"/>
                 </a:solidFill>
               </a:rPr>
             </a:br>
             <a:br>
-              <a:rPr lang="en-CA" sz="3200" b="1" dirty="0">
+              <a:rPr lang="en-CA" sz="2850" b="1" dirty="0">
                 <a:solidFill>
                   <a:srgbClr val="FFFFFF"/>
                 </a:solidFill>
               </a:rPr>
             </a:br>
             <a:r>
-              <a:rPr lang="en-CA" sz="3200" b="1" dirty="0">
+              <a:rPr lang="en-CA" sz="2850" b="1" dirty="0">
                 <a:solidFill>
                   <a:srgbClr val="FFFFFF"/>
                 </a:solidFill>
               </a:rPr>
-              <a:t> Socioeconomic Factors</a:t>
+              <a:t> Socioeconomic Factors on</a:t>
             </a:r>
             <a:br>
-              <a:rPr lang="en-CA" sz="3200" b="1" dirty="0">
+              <a:rPr lang="en-CA" sz="2850" b="1" dirty="0">
                 <a:solidFill>
                   <a:srgbClr val="FFFFFF"/>
                 </a:solidFill>
               </a:rPr>
             </a:br>
             <a:r>
-              <a:rPr lang="en-CA" sz="3200" b="1" dirty="0">
+              <a:rPr lang="en-CA" sz="2850" b="1" dirty="0">
                 <a:solidFill>
                   <a:srgbClr val="FFFFFF"/>
                 </a:solidFill>
@@ -3970,80 +3980,140 @@
               <a:t> </a:t>
             </a:r>
             <a:br>
-              <a:rPr lang="en-CA" sz="3200" b="1" dirty="0">
+              <a:rPr lang="en-CA" sz="2850" b="1" dirty="0">
                 <a:solidFill>
                   <a:srgbClr val="FFFFFF"/>
                 </a:solidFill>
               </a:rPr>
             </a:br>
             <a:r>
-              <a:rPr lang="en-CA" sz="3200" b="1" dirty="0">
+              <a:rPr lang="en-CA" sz="2850" b="1" dirty="0">
                 <a:solidFill>
                   <a:srgbClr val="FFFFFF"/>
                 </a:solidFill>
               </a:rPr>
-              <a:t>on Transmission Dynamic </a:t>
+              <a:t>Transmission Dynamic of COVID-19 :</a:t>
             </a:r>
             <a:br>
-              <a:rPr lang="en-CA" sz="3200" b="1" dirty="0">
+              <a:rPr lang="en-CA" sz="2850" b="1" dirty="0">
+                <a:solidFill>
+                  <a:srgbClr val="FFFFFF"/>
+                </a:solidFill>
+              </a:rPr>
+            </a:br>
+            <a:r>
+              <a:rPr lang="en-CA" sz="2850" b="1" dirty="0">
+                <a:solidFill>
+                  <a:srgbClr val="FFFFFF"/>
+                </a:solidFill>
+              </a:rPr>
+              <a:t> </a:t>
+            </a:r>
+            <a:br>
+              <a:rPr lang="en-CA" sz="2850" b="1" dirty="0">
+                <a:solidFill>
+                  <a:srgbClr val="FFFFFF"/>
+                </a:solidFill>
+              </a:rPr>
+            </a:br>
+            <a:r>
+              <a:rPr lang="en-CA" sz="2850" b="1" dirty="0">
+                <a:solidFill>
+                  <a:srgbClr val="FFFFFF"/>
+                </a:solidFill>
+              </a:rPr>
+              <a:t>A Tweeter-based Surveillance</a:t>
+            </a:r>
+            <a:br>
+              <a:rPr lang="en-CA" sz="2850" b="1" dirty="0">
                 <a:solidFill>
                   <a:srgbClr val="FFFFFF"/>
                 </a:solidFill>
               </a:rPr>
             </a:br>
             <a:br>
-              <a:rPr lang="en-CA" sz="3200" b="1" dirty="0">
+              <a:rPr lang="en-CA" sz="2850" b="1" dirty="0">
                 <a:solidFill>
                   <a:srgbClr val="FFFFFF"/>
                 </a:solidFill>
               </a:rPr>
             </a:br>
             <a:r>
-              <a:rPr lang="en-CA" sz="3200" b="1" dirty="0">
+              <a:rPr lang="en-CA" sz="1800" b="1" dirty="0">
+                <a:solidFill>
+                  <a:schemeClr val="bg1"/>
+                </a:solidFill>
+              </a:rPr>
+              <a:t>Data Incubator's Data </a:t>
+            </a:r>
+            <a:r>
+              <a:rPr lang="en-CA" sz="1800" b="1">
+                <a:solidFill>
+                  <a:schemeClr val="bg1"/>
+                </a:solidFill>
+              </a:rPr>
+              <a:t>Science Fellowship - </a:t>
+            </a:r>
+            <a:r>
+              <a:rPr lang="en-CA" sz="1800" b="1">
                 <a:solidFill>
                   <a:srgbClr val="FFFFFF"/>
                 </a:solidFill>
               </a:rPr>
-              <a:t>of COVID-19 :</a:t>
+              <a:t>Feb 2021</a:t>
             </a:r>
             <a:br>
-              <a:rPr lang="en-CA" sz="3200" b="1" dirty="0">
+              <a:rPr lang="en-CA" sz="1800" dirty="0">
+                <a:solidFill>
+                  <a:schemeClr val="bg1"/>
+                </a:solidFill>
+              </a:rPr>
+            </a:br>
+            <a:br>
+              <a:rPr lang="en-CA" sz="1800" b="1" dirty="0">
+                <a:solidFill>
+                  <a:schemeClr val="bg1"/>
+                </a:solidFill>
+              </a:rPr>
+            </a:br>
+            <a:r>
+              <a:rPr lang="en-CA" sz="1800" b="1" dirty="0">
+                <a:solidFill>
+                  <a:srgbClr val="FFFFFF"/>
+                </a:solidFill>
+              </a:rPr>
+              <a:t>Behnaz Jafari</a:t>
+            </a:r>
+            <a:br>
+              <a:rPr lang="en-CA" sz="1800" b="1" dirty="0">
                 <a:solidFill>
                   <a:srgbClr val="FFFFFF"/>
                 </a:solidFill>
               </a:rPr>
             </a:br>
             <a:r>
-              <a:rPr lang="en-CA" sz="3200" b="1" dirty="0">
+              <a:rPr lang="en-CA" sz="1800" b="1" dirty="0">
                 <a:solidFill>
                   <a:srgbClr val="FFFFFF"/>
                 </a:solidFill>
               </a:rPr>
-              <a:t> </a:t>
+              <a:t>MSc Biostatistics</a:t>
             </a:r>
             <a:br>
-              <a:rPr lang="en-CA" sz="3200" b="1" dirty="0">
+              <a:rPr lang="en-CA" sz="1800" b="1">
                 <a:solidFill>
                   <a:srgbClr val="FFFFFF"/>
                 </a:solidFill>
               </a:rPr>
             </a:br>
-            <a:r>
-              <a:rPr lang="en-CA" sz="3200" b="1" dirty="0">
-                <a:solidFill>
-                  <a:srgbClr val="FFFFFF"/>
-                </a:solidFill>
-              </a:rPr>
-              <a:t>A Tweeter-based Surveillance</a:t>
-            </a:r>
             <a:br>
-              <a:rPr lang="en-CA" sz="3200" b="1" dirty="0">
+              <a:rPr lang="en-CA" sz="1800" b="1" dirty="0">
                 <a:solidFill>
                   <a:srgbClr val="FFFFFF"/>
                 </a:solidFill>
               </a:rPr>
             </a:br>
-            <a:endParaRPr lang="en-US" sz="3200" b="1" dirty="0">
+            <a:endParaRPr lang="en-US" sz="2000" b="1" dirty="0">
               <a:solidFill>
                 <a:srgbClr val="FFFFFF"/>
               </a:solidFill>
